--- a/photo-source/ThreadlPoolExecutor.pptx
+++ b/photo-source/ThreadlPoolExecutor.pptx
@@ -2922,7 +2922,7 @@
         </p:nvSpPr>
         <p:spPr>
           <a:xfrm>
-            <a:off x="4276090" y="1855470"/>
+            <a:off x="4276725" y="1414780"/>
             <a:ext cx="1122680" cy="397510"/>
           </a:xfrm>
           <a:prstGeom prst="roundRect">
@@ -2963,7 +2963,7 @@
         </p:nvSpPr>
         <p:spPr>
           <a:xfrm>
-            <a:off x="3947160" y="2480310"/>
+            <a:off x="3947795" y="2039620"/>
             <a:ext cx="1779905" cy="648970"/>
           </a:xfrm>
           <a:prstGeom prst="diamond">
@@ -3004,7 +3004,7 @@
         </p:nvSpPr>
         <p:spPr>
           <a:xfrm>
-            <a:off x="4276090" y="3420745"/>
+            <a:off x="4276725" y="2980055"/>
             <a:ext cx="1122680" cy="397510"/>
           </a:xfrm>
           <a:prstGeom prst="roundRect">
@@ -3031,17 +3031,17 @@
             <a:pPr algn="ctr"/>
             <a:r>
               <a:rPr lang="zh-CN" altLang="en-US" sz="1000">
+                <a:solidFill>
+                  <a:srgbClr val="FF0000"/>
+                </a:solidFill>
                 <a:sym typeface="+mn-ea"/>
               </a:rPr>
-              <a:t>加入线程到任务队列并</a:t>
-            </a:r>
-            <a:r>
-              <a:rPr lang="zh-CN" altLang="en-US" sz="1000">
-                <a:sym typeface="+mn-ea"/>
-              </a:rPr>
-              <a:t>执行</a:t>
+              <a:t>加入线程到任务队列并执行</a:t>
             </a:r>
             <a:endParaRPr lang="zh-CN" altLang="en-US" sz="1000">
+              <a:solidFill>
+                <a:srgbClr val="FF0000"/>
+              </a:solidFill>
               <a:sym typeface="+mn-ea"/>
             </a:endParaRPr>
           </a:p>
@@ -3099,7 +3099,7 @@
         </p:nvCxnSpPr>
         <p:spPr>
           <a:xfrm>
-            <a:off x="4837430" y="3129280"/>
+            <a:off x="4838065" y="2688590"/>
             <a:ext cx="0" cy="291465"/>
           </a:xfrm>
           <a:prstGeom prst="straightConnector1">
@@ -3128,21 +3128,18 @@
         <p:nvCxnSpPr>
           <p:cNvPr id="10" name="肘形连接符 9"/>
           <p:cNvCxnSpPr>
-            <a:stCxn id="30" idx="1"/>
+            <a:stCxn id="6" idx="1"/>
             <a:endCxn id="8" idx="0"/>
           </p:cNvCxnSpPr>
           <p:nvPr/>
         </p:nvCxnSpPr>
         <p:spPr>
-          <a:xfrm rot="10800000">
-            <a:off x="2743835" y="2647315"/>
-            <a:ext cx="1449070" cy="1642110"/>
-          </a:xfrm>
-          <a:prstGeom prst="bentConnector4">
-            <a:avLst>
-              <a:gd name="adj1" fmla="val 27739"/>
-              <a:gd name="adj2" fmla="val 114501"/>
-            </a:avLst>
+          <a:xfrm rot="10800000" flipV="1">
+            <a:off x="2743835" y="2364105"/>
+            <a:ext cx="1203960" cy="283210"/>
+          </a:xfrm>
+          <a:prstGeom prst="bentConnector2">
+            <a:avLst/>
           </a:prstGeom>
           <a:ln>
             <a:tailEnd type="arrow" w="med" len="med"/>
@@ -3292,54 +3289,13 @@
       </p:sp>
       <p:sp>
         <p:nvSpPr>
-          <p:cNvPr id="15" name="菱形 14"/>
-          <p:cNvSpPr/>
-          <p:nvPr/>
-        </p:nvSpPr>
-        <p:spPr>
-          <a:xfrm>
-            <a:off x="2099310" y="4137660"/>
-            <a:ext cx="1289050" cy="460375"/>
-          </a:xfrm>
-          <a:prstGeom prst="diamond">
-            <a:avLst/>
-          </a:prstGeom>
-        </p:spPr>
-        <p:style>
-          <a:lnRef idx="1">
-            <a:schemeClr val="accent1"/>
-          </a:lnRef>
-          <a:fillRef idx="2">
-            <a:schemeClr val="accent1"/>
-          </a:fillRef>
-          <a:effectRef idx="1">
-            <a:schemeClr val="accent1"/>
-          </a:effectRef>
-          <a:fontRef idx="minor">
-            <a:schemeClr val="dk1"/>
-          </a:fontRef>
-        </p:style>
-        <p:txBody>
-          <a:bodyPr rtlCol="0" anchor="ctr"/>
-          <a:p>
-            <a:pPr algn="ctr"/>
-            <a:r>
-              <a:rPr lang="zh-CN" altLang="en-US" sz="1000"/>
-              <a:t>线程池运行中</a:t>
-            </a:r>
-            <a:endParaRPr lang="zh-CN" altLang="en-US" sz="1000"/>
-          </a:p>
-        </p:txBody>
-      </p:sp>
-      <p:sp>
-        <p:nvSpPr>
           <p:cNvPr id="16" name="圆角矩形 15"/>
           <p:cNvSpPr/>
           <p:nvPr/>
         </p:nvSpPr>
         <p:spPr>
           <a:xfrm>
-            <a:off x="2182495" y="4875530"/>
+            <a:off x="2182495" y="4168775"/>
             <a:ext cx="1122680" cy="397510"/>
           </a:xfrm>
           <a:prstGeom prst="roundRect">
@@ -3507,17 +3463,17 @@
       </p:cxnSp>
       <p:cxnSp>
         <p:nvCxnSpPr>
-          <p:cNvPr id="20" name="直接箭头连接符 19"/>
+          <p:cNvPr id="22" name="直接箭头连接符 21"/>
           <p:cNvCxnSpPr>
             <a:stCxn id="14" idx="2"/>
-            <a:endCxn id="15" idx="0"/>
+            <a:endCxn id="16" idx="0"/>
           </p:cNvCxnSpPr>
           <p:nvPr/>
         </p:nvCxnSpPr>
         <p:spPr>
           <a:xfrm>
             <a:off x="2743835" y="3808730"/>
-            <a:ext cx="0" cy="328930"/>
+            <a:ext cx="0" cy="360045"/>
           </a:xfrm>
           <a:prstGeom prst="straightConnector1">
             <a:avLst/>
@@ -3541,78 +3497,6 @@
           </a:fontRef>
         </p:style>
       </p:cxnSp>
-      <p:cxnSp>
-        <p:nvCxnSpPr>
-          <p:cNvPr id="21" name="直接箭头连接符 20"/>
-          <p:cNvCxnSpPr>
-            <a:stCxn id="15" idx="1"/>
-            <a:endCxn id="13" idx="3"/>
-          </p:cNvCxnSpPr>
-          <p:nvPr/>
-        </p:nvCxnSpPr>
-        <p:spPr>
-          <a:xfrm flipH="1" flipV="1">
-            <a:off x="1929130" y="4367530"/>
-            <a:ext cx="170180" cy="635"/>
-          </a:xfrm>
-          <a:prstGeom prst="straightConnector1">
-            <a:avLst/>
-          </a:prstGeom>
-          <a:ln>
-            <a:tailEnd type="arrow"/>
-          </a:ln>
-        </p:spPr>
-        <p:style>
-          <a:lnRef idx="1">
-            <a:schemeClr val="accent1"/>
-          </a:lnRef>
-          <a:fillRef idx="0">
-            <a:schemeClr val="accent1"/>
-          </a:fillRef>
-          <a:effectRef idx="0">
-            <a:schemeClr val="accent1"/>
-          </a:effectRef>
-          <a:fontRef idx="minor">
-            <a:schemeClr val="tx1"/>
-          </a:fontRef>
-        </p:style>
-      </p:cxnSp>
-      <p:cxnSp>
-        <p:nvCxnSpPr>
-          <p:cNvPr id="22" name="直接箭头连接符 21"/>
-          <p:cNvCxnSpPr>
-            <a:stCxn id="15" idx="2"/>
-            <a:endCxn id="16" idx="0"/>
-          </p:cNvCxnSpPr>
-          <p:nvPr/>
-        </p:nvCxnSpPr>
-        <p:spPr>
-          <a:xfrm>
-            <a:off x="2743835" y="4598035"/>
-            <a:ext cx="0" cy="277495"/>
-          </a:xfrm>
-          <a:prstGeom prst="straightConnector1">
-            <a:avLst/>
-          </a:prstGeom>
-          <a:ln>
-            <a:tailEnd type="arrow"/>
-          </a:ln>
-        </p:spPr>
-        <p:style>
-          <a:lnRef idx="1">
-            <a:schemeClr val="accent1"/>
-          </a:lnRef>
-          <a:fillRef idx="0">
-            <a:schemeClr val="accent1"/>
-          </a:fillRef>
-          <a:effectRef idx="0">
-            <a:schemeClr val="accent1"/>
-          </a:effectRef>
-          <a:fontRef idx="minor">
-            <a:schemeClr val="tx1"/>
-          </a:fontRef>
-        </p:style>
-      </p:cxnSp>
       <p:sp>
         <p:nvSpPr>
           <p:cNvPr id="23" name="文本框 22"/>
@@ -3621,7 +3505,7 @@
         </p:nvSpPr>
         <p:spPr>
           <a:xfrm>
-            <a:off x="4837430" y="3129280"/>
+            <a:off x="4768215" y="2675890"/>
             <a:ext cx="416560" cy="275590"/>
           </a:xfrm>
           <a:prstGeom prst="rect">
@@ -3651,7 +3535,7 @@
         </p:nvSpPr>
         <p:spPr>
           <a:xfrm>
-            <a:off x="2409190" y="2296795"/>
+            <a:off x="2971800" y="2088515"/>
             <a:ext cx="416560" cy="275590"/>
           </a:xfrm>
           <a:prstGeom prst="rect">
@@ -3735,73 +3619,13 @@
       </p:sp>
       <p:sp>
         <p:nvSpPr>
-          <p:cNvPr id="28" name="文本框 27"/>
-          <p:cNvSpPr txBox="1"/>
-          <p:nvPr/>
-        </p:nvSpPr>
-        <p:spPr>
-          <a:xfrm>
-            <a:off x="1847850" y="4092575"/>
-            <a:ext cx="416560" cy="275590"/>
-          </a:xfrm>
-          <a:prstGeom prst="rect">
-            <a:avLst/>
-          </a:prstGeom>
-          <a:noFill/>
-        </p:spPr>
-        <p:txBody>
-          <a:bodyPr wrap="square" rtlCol="0">
-            <a:spAutoFit/>
-          </a:bodyPr>
-          <a:p>
-            <a:pPr algn="ctr"/>
-            <a:r>
-              <a:rPr lang="zh-CN" altLang="en-US" sz="1200"/>
-              <a:t>否</a:t>
-            </a:r>
-            <a:endParaRPr lang="zh-CN" altLang="en-US" sz="1200"/>
-          </a:p>
-        </p:txBody>
-      </p:sp>
-      <p:sp>
-        <p:nvSpPr>
-          <p:cNvPr id="29" name="文本框 28"/>
-          <p:cNvSpPr txBox="1"/>
-          <p:nvPr/>
-        </p:nvSpPr>
-        <p:spPr>
-          <a:xfrm>
-            <a:off x="2648585" y="4551680"/>
-            <a:ext cx="416560" cy="275590"/>
-          </a:xfrm>
-          <a:prstGeom prst="rect">
-            <a:avLst/>
-          </a:prstGeom>
-          <a:noFill/>
-        </p:spPr>
-        <p:txBody>
-          <a:bodyPr wrap="square" rtlCol="0">
-            <a:spAutoFit/>
-          </a:bodyPr>
-          <a:p>
-            <a:pPr algn="ctr"/>
-            <a:r>
-              <a:rPr lang="zh-CN" altLang="en-US" sz="1200"/>
-              <a:t>是</a:t>
-            </a:r>
-            <a:endParaRPr lang="zh-CN" altLang="en-US" sz="1200"/>
-          </a:p>
-        </p:txBody>
-      </p:sp>
-      <p:sp>
-        <p:nvSpPr>
           <p:cNvPr id="30" name="菱形 29"/>
           <p:cNvSpPr/>
           <p:nvPr/>
         </p:nvSpPr>
         <p:spPr>
           <a:xfrm>
-            <a:off x="4192905" y="4058920"/>
+            <a:off x="4193540" y="3618230"/>
             <a:ext cx="1289050" cy="460375"/>
           </a:xfrm>
           <a:prstGeom prst="diamond">
@@ -3842,7 +3666,7 @@
         </p:nvSpPr>
         <p:spPr>
           <a:xfrm>
-            <a:off x="4275455" y="4808220"/>
+            <a:off x="4276090" y="4367530"/>
             <a:ext cx="1122680" cy="397510"/>
           </a:xfrm>
           <a:prstGeom prst="roundRect">
@@ -3886,7 +3710,7 @@
         </p:nvCxnSpPr>
         <p:spPr>
           <a:xfrm>
-            <a:off x="4837430" y="3818255"/>
+            <a:off x="4838065" y="3377565"/>
             <a:ext cx="0" cy="240665"/>
           </a:xfrm>
           <a:prstGeom prst="straightConnector1">
@@ -3922,7 +3746,7 @@
         </p:nvCxnSpPr>
         <p:spPr>
           <a:xfrm flipH="1">
-            <a:off x="4836795" y="4519295"/>
+            <a:off x="4837430" y="4078605"/>
             <a:ext cx="635" cy="288925"/>
           </a:xfrm>
           <a:prstGeom prst="straightConnector1">
@@ -3955,7 +3779,7 @@
         </p:nvSpPr>
         <p:spPr>
           <a:xfrm>
-            <a:off x="4767580" y="4519295"/>
+            <a:off x="4768215" y="4078605"/>
             <a:ext cx="416560" cy="275590"/>
           </a:xfrm>
           <a:prstGeom prst="rect">
@@ -5007,13 +4831,13 @@
         </p:nvCxnSpPr>
         <p:spPr>
           <a:xfrm flipV="1">
-            <a:off x="5398770" y="1838325"/>
-            <a:ext cx="1943735" cy="1781175"/>
+            <a:off x="5399405" y="1838325"/>
+            <a:ext cx="1943100" cy="1340485"/>
           </a:xfrm>
           <a:prstGeom prst="bentConnector4">
             <a:avLst>
-              <a:gd name="adj1" fmla="val 35577"/>
-              <a:gd name="adj2" fmla="val 113369"/>
+              <a:gd name="adj1" fmla="val 35556"/>
+              <a:gd name="adj2" fmla="val 117764"/>
             </a:avLst>
           </a:prstGeom>
           <a:ln>
@@ -5075,7 +4899,7 @@
         </p:nvCxnSpPr>
         <p:spPr>
           <a:xfrm>
-            <a:off x="4837430" y="2252980"/>
+            <a:off x="4838065" y="1812290"/>
             <a:ext cx="0" cy="227330"/>
           </a:xfrm>
           <a:prstGeom prst="straightConnector1">
@@ -5111,13 +4935,13 @@
         </p:nvCxnSpPr>
         <p:spPr>
           <a:xfrm rot="5400000" flipH="1" flipV="1">
-            <a:off x="4542790" y="876935"/>
-            <a:ext cx="2597150" cy="6195060"/>
+            <a:off x="4896168" y="523558"/>
+            <a:ext cx="1890395" cy="6195060"/>
           </a:xfrm>
           <a:prstGeom prst="bentConnector4">
             <a:avLst>
-              <a:gd name="adj1" fmla="val -14645"/>
-              <a:gd name="adj2" fmla="val 96504"/>
+              <a:gd name="adj1" fmla="val -56970"/>
+              <a:gd name="adj2" fmla="val 95346"/>
             </a:avLst>
           </a:prstGeom>
           <a:ln w="3175" cmpd="sng">
@@ -5140,6 +4964,45 @@
           </a:fillRef>
           <a:effectRef idx="0">
             <a:schemeClr val="accent1"/>
+          </a:effectRef>
+          <a:fontRef idx="minor">
+            <a:schemeClr val="tx1"/>
+          </a:fontRef>
+        </p:style>
+      </p:cxnSp>
+      <p:cxnSp>
+        <p:nvCxnSpPr>
+          <p:cNvPr id="2" name="肘形连接符 1"/>
+          <p:cNvCxnSpPr>
+            <a:stCxn id="30" idx="1"/>
+            <a:endCxn id="8" idx="0"/>
+          </p:cNvCxnSpPr>
+          <p:nvPr/>
+        </p:nvCxnSpPr>
+        <p:spPr>
+          <a:xfrm rot="10800000">
+            <a:off x="2743200" y="2647315"/>
+            <a:ext cx="1449705" cy="1201420"/>
+          </a:xfrm>
+          <a:prstGeom prst="bentConnector4">
+            <a:avLst>
+              <a:gd name="adj1" fmla="val 27770"/>
+              <a:gd name="adj2" fmla="val 123520"/>
+            </a:avLst>
+          </a:prstGeom>
+          <a:ln>
+            <a:tailEnd type="arrow" w="med" len="med"/>
+          </a:ln>
+        </p:spPr>
+        <p:style>
+          <a:lnRef idx="3">
+            <a:schemeClr val="accent2"/>
+          </a:lnRef>
+          <a:fillRef idx="0">
+            <a:schemeClr val="accent2"/>
+          </a:fillRef>
+          <a:effectRef idx="2">
+            <a:schemeClr val="accent2"/>
           </a:effectRef>
           <a:fontRef idx="minor">
             <a:schemeClr val="tx1"/>
